--- a/backend/generated_files/slides.pptx
+++ b/backend/generated_files/slides.pptx
@@ -10,6 +10,8 @@
     <p:sldId id="258" r:id="rId9"/>
     <p:sldId id="259" r:id="rId10"/>
     <p:sldId id="260" r:id="rId11"/>
+    <p:sldId id="261" r:id="rId12"/>
+    <p:sldId id="262" r:id="rId13"/>
   </p:sldIdLst>
   <p:sldSz cx="9144000" cy="6858000" type="screen4x3"/>
   <p:notesSz cx="6858000" cy="9144000"/>
@@ -3108,7 +3110,7 @@
           <a:lstStyle/>
           <a:p>
             <a:r>
-              <a:t>ASTHRA Project Documentation</a:t>
+              <a:t>Web Application Security Analyzer Comprehensive Report</a:t>
             </a:r>
           </a:p>
         </p:txBody>
@@ -3132,7 +3134,7 @@
               <a:defRPr sz="1800"/>
             </a:pPr>
             <a:r>
-              <a:t>Generated documentation for: hi</a:t>
+              <a:t>The Web Application Security Analyzer is an automated tool designed to identify vulnerabilities in web applications through dynamic scanning and risk assessment. It provides detailed reports on security flaws, prioritization, and remediation guidance. The analyzer integrates with CI/CD pipelines for continuous monitoring and compliance adherence.</a:t>
             </a:r>
           </a:p>
         </p:txBody>
@@ -3194,19 +3196,19 @@
           <a:p>
             <a:pPr/>
             <a:r>
-              <a:t>Project statement received and logged.</a:t>
+              <a:t>Automated security assessment for web applications</a:t>
             </a:r>
           </a:p>
           <a:p>
             <a:pPr/>
             <a:r>
-              <a:t>ASTHRA generated offline demo content.</a:t>
+              <a:t>Targeted at RESTful APIs, web forms, and authentication flows</a:t>
             </a:r>
           </a:p>
           <a:p>
             <a:pPr/>
             <a:r>
-              <a:t>No upload provided.</a:t>
+              <a:t>Covers OWASP Top 10 vulnerabilities and custom rule sets</a:t>
             </a:r>
           </a:p>
         </p:txBody>
@@ -3245,7 +3247,7 @@
           <a:lstStyle/>
           <a:p>
             <a:r>
-              <a:t>Objectives</a:t>
+              <a:t>Key Features</a:t>
             </a:r>
           </a:p>
         </p:txBody>
@@ -3268,13 +3270,19 @@
           <a:p>
             <a:pPr/>
             <a:r>
-              <a:t>Demonstrate PDF, PPT, patent draft, and certificates.</a:t>
+              <a:t>Real-time vulnerability scanning with configurable depth levels</a:t>
             </a:r>
           </a:p>
           <a:p>
             <a:pPr/>
             <a:r>
-              <a:t>Content is sample-only when AI is disabled.</a:t>
+              <a:t>Extensible vulnerability database with CVE mapping</a:t>
+            </a:r>
+          </a:p>
+          <a:p>
+            <a:pPr/>
+            <a:r>
+              <a:t>Risk scoring algorithm based on impact, exploit likelihood, and remediation complexity</a:t>
             </a:r>
           </a:p>
         </p:txBody>
@@ -3313,7 +3321,7 @@
           <a:lstStyle/>
           <a:p>
             <a:r>
-              <a:t>Next Steps</a:t>
+              <a:t>Scanning Methodology</a:t>
             </a:r>
           </a:p>
         </p:txBody>
@@ -3336,13 +3344,19 @@
           <a:p>
             <a:pPr/>
             <a:r>
-              <a:t>Enable AI (set OPENAI_API_KEY) for richer drafts.</a:t>
+              <a:t>Differential analysis of application responses to detect anomalies</a:t>
             </a:r>
           </a:p>
           <a:p>
             <a:pPr/>
             <a:r>
-              <a:t>Refine requirements and rerun generation.</a:t>
+              <a:t>Automated payload injection and fuzzing for input validation testing</a:t>
+            </a:r>
+          </a:p>
+          <a:p>
+            <a:pPr/>
+            <a:r>
+              <a:t>Session management and authentication bypass detection</a:t>
             </a:r>
           </a:p>
         </p:txBody>
@@ -3381,6 +3395,154 @@
           <a:lstStyle/>
           <a:p>
             <a:r>
+              <a:t>Reporting &amp; Analytics</a:t>
+            </a:r>
+          </a:p>
+        </p:txBody>
+      </p:sp>
+      <p:sp>
+        <p:nvSpPr>
+          <p:cNvPr id="3" name="Content Placeholder 2"/>
+          <p:cNvSpPr>
+            <a:spLocks noGrp="1"/>
+          </p:cNvSpPr>
+          <p:nvPr>
+            <p:ph idx="1"/>
+          </p:nvPr>
+        </p:nvSpPr>
+        <p:spPr/>
+        <p:txBody>
+          <a:bodyPr/>
+          <a:lstStyle/>
+          <a:p/>
+          <a:p>
+            <a:pPr/>
+            <a:r>
+              <a:t>Interactive dashboards with severity distribution and trend analysis</a:t>
+            </a:r>
+          </a:p>
+          <a:p>
+            <a:pPr/>
+            <a:r>
+              <a:t>Exportable reports in PDF, CSV, and JSON formats</a:t>
+            </a:r>
+          </a:p>
+          <a:p>
+            <a:pPr/>
+            <a:r>
+              <a:t>Historical data tracking for vulnerability recurrence analysis</a:t>
+            </a:r>
+          </a:p>
+        </p:txBody>
+      </p:sp>
+    </p:spTree>
+  </p:cSld>
+  <p:clrMapOvr>
+    <a:masterClrMapping/>
+  </p:clrMapOvr>
+</p:sld>
+</file>
+
+<file path=ppt/slides/slide6.xml><?xml version="1.0" encoding="utf-8"?>
+<p:sld xmlns:a="http://schemas.openxmlformats.org/drawingml/2006/main" xmlns:p="http://schemas.openxmlformats.org/presentationml/2006/main" xmlns:r="http://schemas.openxmlformats.org/officeDocument/2006/relationships">
+  <p:cSld>
+    <p:spTree>
+      <p:nvGrpSpPr>
+        <p:cNvPr id="1" name=""/>
+        <p:cNvGrpSpPr/>
+        <p:nvPr/>
+      </p:nvGrpSpPr>
+      <p:grpSpPr/>
+      <p:sp>
+        <p:nvSpPr>
+          <p:cNvPr id="2" name="Title 1"/>
+          <p:cNvSpPr>
+            <a:spLocks noGrp="1"/>
+          </p:cNvSpPr>
+          <p:nvPr>
+            <p:ph type="title"/>
+          </p:nvPr>
+        </p:nvSpPr>
+        <p:spPr/>
+        <p:txBody>
+          <a:bodyPr/>
+          <a:lstStyle/>
+          <a:p>
+            <a:r>
+              <a:t>Integration &amp; Deployment</a:t>
+            </a:r>
+          </a:p>
+        </p:txBody>
+      </p:sp>
+      <p:sp>
+        <p:nvSpPr>
+          <p:cNvPr id="3" name="Content Placeholder 2"/>
+          <p:cNvSpPr>
+            <a:spLocks noGrp="1"/>
+          </p:cNvSpPr>
+          <p:nvPr>
+            <p:ph idx="1"/>
+          </p:nvPr>
+        </p:nvSpPr>
+        <p:spPr/>
+        <p:txBody>
+          <a:bodyPr/>
+          <a:lstStyle/>
+          <a:p/>
+          <a:p>
+            <a:pPr/>
+            <a:r>
+              <a:t>CI/CD pipeline integration via CLI and REST API</a:t>
+            </a:r>
+          </a:p>
+          <a:p>
+            <a:pPr/>
+            <a:r>
+              <a:t>Containerized deployment for Kubernetes and Docker environments</a:t>
+            </a:r>
+          </a:p>
+          <a:p>
+            <a:pPr/>
+            <a:r>
+              <a:t>Support for SaaS platforms and on-premises installations</a:t>
+            </a:r>
+          </a:p>
+        </p:txBody>
+      </p:sp>
+    </p:spTree>
+  </p:cSld>
+  <p:clrMapOvr>
+    <a:masterClrMapping/>
+  </p:clrMapOvr>
+</p:sld>
+</file>
+
+<file path=ppt/slides/slide7.xml><?xml version="1.0" encoding="utf-8"?>
+<p:sld xmlns:a="http://schemas.openxmlformats.org/drawingml/2006/main" xmlns:p="http://schemas.openxmlformats.org/presentationml/2006/main" xmlns:r="http://schemas.openxmlformats.org/officeDocument/2006/relationships">
+  <p:cSld>
+    <p:spTree>
+      <p:nvGrpSpPr>
+        <p:cNvPr id="1" name=""/>
+        <p:cNvGrpSpPr/>
+        <p:nvPr/>
+      </p:nvGrpSpPr>
+      <p:grpSpPr/>
+      <p:sp>
+        <p:nvSpPr>
+          <p:cNvPr id="2" name="Title 1"/>
+          <p:cNvSpPr>
+            <a:spLocks noGrp="1"/>
+          </p:cNvSpPr>
+          <p:nvPr>
+            <p:ph type="title"/>
+          </p:nvPr>
+        </p:nvSpPr>
+        <p:spPr/>
+        <p:txBody>
+          <a:bodyPr/>
+          <a:lstStyle/>
+          <a:p>
+            <a:r>
               <a:t>Patent-style Claims</a:t>
             </a:r>
           </a:p>
@@ -3404,13 +3566,25 @@
           <a:p>
             <a:pPr/>
             <a:r>
-              <a:t>A system that generates multiple documentation artifacts from one input.</a:t>
+              <a:t>A system that automates dynamic security scanning of web applications through configurable test vectors and payload injection sequences</a:t>
             </a:r>
           </a:p>
           <a:p>
             <a:pPr/>
             <a:r>
-              <a:t>Automated slide and patent-style drafting based on project descriptions.</a:t>
+              <a:t>A method for prioritizing detected vulnerabilities using a weighted risk score algorithm incorporating exploit likelihood and business impact metrics</a:t>
+            </a:r>
+          </a:p>
+          <a:p>
+            <a:pPr/>
+            <a:r>
+              <a:t>An integrated reporting module generating compliance-ready documentation with remediation pathways and CVE cross-references</a:t>
+            </a:r>
+          </a:p>
+          <a:p>
+            <a:pPr/>
+            <a:r>
+              <a:t>A deployment framework enabling seamless integration with continuous integration/continuous deployment pipelines through standardized API endpoints</a:t>
             </a:r>
           </a:p>
         </p:txBody>
